--- a/assets/my_papers/2025.icml.poster.36x72in.pptx
+++ b/assets/my_papers/2025.icml.poster.36x72in.pptx
@@ -5304,100 +5304,6 @@
       </p:sp>
       <p:pic>
         <p:nvPicPr>
-          <p:cNvPr id="7" name="Picture 4">
-            <a:extLst>
-              <a:ext uri="{FF2B5EF4-FFF2-40B4-BE49-F238E27FC236}">
-                <a16:creationId xmlns:a16="http://schemas.microsoft.com/office/drawing/2014/main" id="{A02529E6-152F-4370-AA74-CCAB6C220308}"/>
-              </a:ext>
-            </a:extLst>
-          </p:cNvPr>
-          <p:cNvPicPr>
-            <a:picLocks noChangeAspect="1" noChangeArrowheads="1"/>
-          </p:cNvPicPr>
-          <p:nvPr/>
-        </p:nvPicPr>
-        <p:blipFill>
-          <a:blip r:embed="rId3">
-            <a:extLst>
-              <a:ext uri="{28A0092B-C50C-407E-A947-70E740481C1C}">
-                <a14:useLocalDpi xmlns:a14="http://schemas.microsoft.com/office/drawing/2010/main" val="0"/>
-              </a:ext>
-            </a:extLst>
-          </a:blip>
-          <a:srcRect/>
-          <a:stretch>
-            <a:fillRect/>
-          </a:stretch>
-        </p:blipFill>
-        <p:spPr bwMode="auto">
-          <a:xfrm>
-            <a:off x="8137943" y="47619"/>
-            <a:ext cx="1784501" cy="545890"/>
-          </a:xfrm>
-          <a:prstGeom prst="rect">
-            <a:avLst/>
-          </a:prstGeom>
-          <a:noFill/>
-          <a:extLst>
-            <a:ext uri="{909E8E84-426E-40DD-AFC4-6F175D3DCCD1}">
-              <a14:hiddenFill xmlns:a14="http://schemas.microsoft.com/office/drawing/2010/main">
-                <a:solidFill>
-                  <a:srgbClr val="FFFFFF"/>
-                </a:solidFill>
-              </a14:hiddenFill>
-            </a:ext>
-          </a:extLst>
-        </p:spPr>
-      </p:pic>
-      <p:pic>
-        <p:nvPicPr>
-          <p:cNvPr id="8" name="Picture 5">
-            <a:extLst>
-              <a:ext uri="{FF2B5EF4-FFF2-40B4-BE49-F238E27FC236}">
-                <a16:creationId xmlns:a16="http://schemas.microsoft.com/office/drawing/2014/main" id="{46B08E73-BEC5-4D0A-5D9A-9F40279279ED}"/>
-              </a:ext>
-            </a:extLst>
-          </p:cNvPr>
-          <p:cNvPicPr>
-            <a:picLocks noChangeAspect="1" noChangeArrowheads="1"/>
-          </p:cNvPicPr>
-          <p:nvPr/>
-        </p:nvPicPr>
-        <p:blipFill>
-          <a:blip r:embed="rId4">
-            <a:extLst>
-              <a:ext uri="{28A0092B-C50C-407E-A947-70E740481C1C}">
-                <a14:useLocalDpi xmlns:a14="http://schemas.microsoft.com/office/drawing/2010/main" val="0"/>
-              </a:ext>
-            </a:extLst>
-          </a:blip>
-          <a:srcRect/>
-          <a:stretch>
-            <a:fillRect/>
-          </a:stretch>
-        </p:blipFill>
-        <p:spPr bwMode="auto">
-          <a:xfrm>
-            <a:off x="9994106" y="111099"/>
-            <a:ext cx="930340" cy="372044"/>
-          </a:xfrm>
-          <a:prstGeom prst="rect">
-            <a:avLst/>
-          </a:prstGeom>
-          <a:noFill/>
-          <a:extLst>
-            <a:ext uri="{909E8E84-426E-40DD-AFC4-6F175D3DCCD1}">
-              <a14:hiddenFill xmlns:a14="http://schemas.microsoft.com/office/drawing/2010/main">
-                <a:solidFill>
-                  <a:srgbClr val="FFFFFF"/>
-                </a:solidFill>
-              </a14:hiddenFill>
-            </a:ext>
-          </a:extLst>
-        </p:spPr>
-      </p:pic>
-      <p:pic>
-        <p:nvPicPr>
           <p:cNvPr id="9" name="Graphic 8">
             <a:extLst>
               <a:ext uri="{FF2B5EF4-FFF2-40B4-BE49-F238E27FC236}">
@@ -5411,10 +5317,10 @@
           <p:nvPr/>
         </p:nvPicPr>
         <p:blipFill>
-          <a:blip r:embed="rId5">
+          <a:blip r:embed="rId3">
             <a:extLst>
               <a:ext uri="{96DAC541-7B7A-43D3-8B79-37D633B846F1}">
-                <asvg:svgBlip xmlns:asvg="http://schemas.microsoft.com/office/drawing/2016/SVG/main" r:embed="rId6"/>
+                <asvg:svgBlip xmlns:asvg="http://schemas.microsoft.com/office/drawing/2016/SVG/main" r:embed="rId4"/>
               </a:ext>
             </a:extLst>
           </a:blip>
@@ -5852,7 +5758,7 @@
           <p:nvPr/>
         </p:nvPicPr>
         <p:blipFill>
-          <a:blip r:embed="rId7">
+          <a:blip r:embed="rId5">
             <a:alphaModFix/>
           </a:blip>
           <a:stretch>
@@ -5888,10 +5794,10 @@
           <p:nvPr/>
         </p:nvPicPr>
         <p:blipFill>
-          <a:blip r:embed="rId8">
+          <a:blip r:embed="rId6">
             <a:extLst>
               <a:ext uri="{96DAC541-7B7A-43D3-8B79-37D633B846F1}">
-                <asvg:svgBlip xmlns:asvg="http://schemas.microsoft.com/office/drawing/2016/SVG/main" r:embed="rId9"/>
+                <asvg:svgBlip xmlns:asvg="http://schemas.microsoft.com/office/drawing/2016/SVG/main" r:embed="rId7"/>
               </a:ext>
             </a:extLst>
           </a:blip>
@@ -5924,7 +5830,7 @@
           <p:nvPr/>
         </p:nvPicPr>
         <p:blipFill>
-          <a:blip r:embed="rId10">
+          <a:blip r:embed="rId8">
             <a:extLst>
               <a:ext uri="{28A0092B-C50C-407E-A947-70E740481C1C}">
                 <a14:useLocalDpi xmlns:a14="http://schemas.microsoft.com/office/drawing/2010/main" val="0"/>
@@ -6311,10 +6217,10 @@
           <p:nvPr/>
         </p:nvPicPr>
         <p:blipFill>
-          <a:blip r:embed="rId11">
+          <a:blip r:embed="rId9">
             <a:extLst>
               <a:ext uri="{96DAC541-7B7A-43D3-8B79-37D633B846F1}">
-                <asvg:svgBlip xmlns:asvg="http://schemas.microsoft.com/office/drawing/2016/SVG/main" r:embed="rId12"/>
+                <asvg:svgBlip xmlns:asvg="http://schemas.microsoft.com/office/drawing/2016/SVG/main" r:embed="rId10"/>
               </a:ext>
             </a:extLst>
           </a:blip>
@@ -6447,7 +6353,7 @@
           <p:nvPr/>
         </p:nvPicPr>
         <p:blipFill>
-          <a:blip r:embed="rId13">
+          <a:blip r:embed="rId11">
             <a:alphaModFix/>
           </a:blip>
           <a:stretch>
@@ -6533,7 +6439,7 @@
           <p:nvPr/>
         </p:nvPicPr>
         <p:blipFill>
-          <a:blip r:embed="rId13">
+          <a:blip r:embed="rId11">
             <a:alphaModFix/>
           </a:blip>
           <a:stretch>
@@ -6768,10 +6674,10 @@
           <p:nvPr/>
         </p:nvPicPr>
         <p:blipFill>
-          <a:blip r:embed="rId14">
+          <a:blip r:embed="rId12">
             <a:extLst>
               <a:ext uri="{96DAC541-7B7A-43D3-8B79-37D633B846F1}">
-                <asvg:svgBlip xmlns:asvg="http://schemas.microsoft.com/office/drawing/2016/SVG/main" r:embed="rId15"/>
+                <asvg:svgBlip xmlns:asvg="http://schemas.microsoft.com/office/drawing/2016/SVG/main" r:embed="rId13"/>
               </a:ext>
             </a:extLst>
           </a:blip>
@@ -6856,10 +6762,10 @@
           <p:nvPr/>
         </p:nvPicPr>
         <p:blipFill>
-          <a:blip r:embed="rId16">
+          <a:blip r:embed="rId14">
             <a:extLst>
               <a:ext uri="{96DAC541-7B7A-43D3-8B79-37D633B846F1}">
-                <asvg:svgBlip xmlns:asvg="http://schemas.microsoft.com/office/drawing/2016/SVG/main" r:embed="rId17"/>
+                <asvg:svgBlip xmlns:asvg="http://schemas.microsoft.com/office/drawing/2016/SVG/main" r:embed="rId15"/>
               </a:ext>
             </a:extLst>
           </a:blip>
@@ -6944,10 +6850,10 @@
           <p:nvPr/>
         </p:nvPicPr>
         <p:blipFill>
-          <a:blip r:embed="rId18">
+          <a:blip r:embed="rId16">
             <a:extLst>
               <a:ext uri="{96DAC541-7B7A-43D3-8B79-37D633B846F1}">
-                <asvg:svgBlip xmlns:asvg="http://schemas.microsoft.com/office/drawing/2016/SVG/main" r:embed="rId19"/>
+                <asvg:svgBlip xmlns:asvg="http://schemas.microsoft.com/office/drawing/2016/SVG/main" r:embed="rId17"/>
               </a:ext>
             </a:extLst>
           </a:blip>
@@ -7032,6 +6938,42 @@
           <p:nvPr/>
         </p:nvPicPr>
         <p:blipFill>
+          <a:blip r:embed="rId18">
+            <a:extLst>
+              <a:ext uri="{96DAC541-7B7A-43D3-8B79-37D633B846F1}">
+                <asvg:svgBlip xmlns:asvg="http://schemas.microsoft.com/office/drawing/2016/SVG/main" r:embed="rId19"/>
+              </a:ext>
+            </a:extLst>
+          </a:blip>
+          <a:stretch>
+            <a:fillRect/>
+          </a:stretch>
+        </p:blipFill>
+        <p:spPr>
+          <a:xfrm>
+            <a:off x="9957816" y="3794760"/>
+            <a:ext cx="896471" cy="914400"/>
+          </a:xfrm>
+          <a:prstGeom prst="rect">
+            <a:avLst/>
+          </a:prstGeom>
+        </p:spPr>
+      </p:pic>
+      <p:pic>
+        <p:nvPicPr>
+          <p:cNvPr id="3" name="Graphic 2">
+            <a:extLst>
+              <a:ext uri="{FF2B5EF4-FFF2-40B4-BE49-F238E27FC236}">
+                <a16:creationId xmlns:a16="http://schemas.microsoft.com/office/drawing/2014/main" id="{77386BD5-3E59-79D8-09CC-736CDE69F3B7}"/>
+              </a:ext>
+            </a:extLst>
+          </p:cNvPr>
+          <p:cNvPicPr>
+            <a:picLocks noChangeAspect="1"/>
+          </p:cNvPicPr>
+          <p:nvPr/>
+        </p:nvPicPr>
+        <p:blipFill>
           <a:blip r:embed="rId20">
             <a:extLst>
               <a:ext uri="{96DAC541-7B7A-43D3-8B79-37D633B846F1}">
@@ -7045,8 +6987,44 @@
         </p:blipFill>
         <p:spPr>
           <a:xfrm>
-            <a:off x="9957816" y="3794760"/>
-            <a:ext cx="896471" cy="914400"/>
+            <a:off x="8142612" y="74407"/>
+            <a:ext cx="1771539" cy="507120"/>
+          </a:xfrm>
+          <a:prstGeom prst="rect">
+            <a:avLst/>
+          </a:prstGeom>
+        </p:spPr>
+      </p:pic>
+      <p:pic>
+        <p:nvPicPr>
+          <p:cNvPr id="10" name="Graphic 9">
+            <a:extLst>
+              <a:ext uri="{FF2B5EF4-FFF2-40B4-BE49-F238E27FC236}">
+                <a16:creationId xmlns:a16="http://schemas.microsoft.com/office/drawing/2014/main" id="{465F2F6A-2D55-98A7-151D-AA87FE3930DE}"/>
+              </a:ext>
+            </a:extLst>
+          </p:cNvPr>
+          <p:cNvPicPr>
+            <a:picLocks noChangeAspect="1"/>
+          </p:cNvPicPr>
+          <p:nvPr/>
+        </p:nvPicPr>
+        <p:blipFill>
+          <a:blip r:embed="rId22">
+            <a:extLst>
+              <a:ext uri="{96DAC541-7B7A-43D3-8B79-37D633B846F1}">
+                <asvg:svgBlip xmlns:asvg="http://schemas.microsoft.com/office/drawing/2016/SVG/main" r:embed="rId23"/>
+              </a:ext>
+            </a:extLst>
+          </a:blip>
+          <a:stretch>
+            <a:fillRect/>
+          </a:stretch>
+        </p:blipFill>
+        <p:spPr>
+          <a:xfrm>
+            <a:off x="10011592" y="-132505"/>
+            <a:ext cx="875823" cy="875823"/>
           </a:xfrm>
           <a:prstGeom prst="rect">
             <a:avLst/>
